--- a/CCC_Senior/Week8/week8.pptx
+++ b/CCC_Senior/Week8/week8.pptx
@@ -125,6 +125,11 @@
       </a:defRPr>
     </a:lvl9pPr>
   </p:defaultTextStyle>
+  <p:extLst>
+    <p:ext uri="{EFAFB233-063F-42B5-8137-9DF3F51BA10A}">
+      <p15:sldGuideLst xmlns:p15="http://schemas.microsoft.com/office/powerpoint/2012/main"/>
+    </p:ext>
+  </p:extLst>
 </p:presentation>
 </file>
 
@@ -6011,7 +6016,15 @@
             <a:pPr lvl="1"/>
             <a:r>
               <a:rPr lang="en-US" dirty="0"/>
-              <a:t>	SUM(k): returns the sum of the first k elements</a:t>
+              <a:t>	SUM(l, r): returns the sum of lth – </a:t>
+            </a:r>
+            <a:r>
+              <a:rPr lang="en-US" dirty="0" err="1"/>
+              <a:t>rth</a:t>
+            </a:r>
+            <a:r>
+              <a:rPr lang="en-US" dirty="0"/>
+              <a:t> elements</a:t>
             </a:r>
           </a:p>
           <a:p>
@@ -6185,7 +6198,7 @@
           <a:p>
             <a:r>
               <a:rPr lang="en-US" dirty="0"/>
-              <a:t>Sum(k): 	sum = 0</a:t>
+              <a:t>Sum(l, r): 	sum = 0</a:t>
             </a:r>
           </a:p>
           <a:p>
@@ -6200,7 +6213,7 @@
             </a:r>
             <a:r>
               <a:rPr lang="en-US" dirty="0"/>
-              <a:t> = 1, …, k</a:t>
+              <a:t> = l, …, r</a:t>
             </a:r>
           </a:p>
           <a:p>
@@ -6347,7 +6360,7 @@
           <a:p>
             <a:r>
               <a:rPr lang="en-US" dirty="0"/>
-              <a:t>Sum(k): 	return B[k]			O(1)</a:t>
+              <a:t>Sum(l, r): 	return B[r] – B[l]		O(1)</a:t>
             </a:r>
           </a:p>
           <a:p>

--- a/CCC_Senior/Week8/week8.pptx
+++ b/CCC_Senior/Week8/week8.pptx
@@ -215,7 +215,7 @@
           <a:p>
             <a:fld id="{B5CB9394-4BA1-6D4B-AD6E-07356D9529EE}" type="datetimeFigureOut">
               <a:rPr lang="en-US" smtClean="0"/>
-              <a:t>8/28/22</a:t>
+              <a:t>11/11/22</a:t>
             </a:fld>
             <a:endParaRPr lang="en-US"/>
           </a:p>
@@ -527,6 +527,93 @@
           <a:lstStyle/>
           <a:p>
             <a:r>
+              <a:rPr lang="en-US"/>
+              <a:t>Baron</a:t>
+            </a:r>
+          </a:p>
+        </p:txBody>
+      </p:sp>
+      <p:sp>
+        <p:nvSpPr>
+          <p:cNvPr id="4" name="Slide Number Placeholder 3"/>
+          <p:cNvSpPr>
+            <a:spLocks noGrp="1"/>
+          </p:cNvSpPr>
+          <p:nvPr>
+            <p:ph type="sldNum" sz="quarter" idx="5"/>
+          </p:nvPr>
+        </p:nvSpPr>
+        <p:spPr/>
+        <p:txBody>
+          <a:bodyPr/>
+          <a:lstStyle/>
+          <a:p>
+            <a:fld id="{F8E26972-4A40-A044-A17B-92ADD557C8E9}" type="slidenum">
+              <a:rPr lang="en-US" smtClean="0"/>
+              <a:t>8</a:t>
+            </a:fld>
+            <a:endParaRPr lang="en-US"/>
+          </a:p>
+        </p:txBody>
+      </p:sp>
+    </p:spTree>
+    <p:extLst>
+      <p:ext uri="{BB962C8B-B14F-4D97-AF65-F5344CB8AC3E}">
+        <p14:creationId xmlns:p14="http://schemas.microsoft.com/office/powerpoint/2010/main" val="1370496595"/>
+      </p:ext>
+    </p:extLst>
+  </p:cSld>
+  <p:clrMapOvr>
+    <a:masterClrMapping/>
+  </p:clrMapOvr>
+</p:notes>
+</file>
+
+<file path=ppt/notesSlides/notesSlide2.xml><?xml version="1.0" encoding="utf-8"?>
+<p:notes xmlns:a="http://schemas.openxmlformats.org/drawingml/2006/main" xmlns:r="http://schemas.openxmlformats.org/officeDocument/2006/relationships" xmlns:p="http://schemas.openxmlformats.org/presentationml/2006/main">
+  <p:cSld>
+    <p:spTree>
+      <p:nvGrpSpPr>
+        <p:cNvPr id="1" name=""/>
+        <p:cNvGrpSpPr/>
+        <p:nvPr/>
+      </p:nvGrpSpPr>
+      <p:grpSpPr>
+        <a:xfrm>
+          <a:off x="0" y="0"/>
+          <a:ext cx="0" cy="0"/>
+          <a:chOff x="0" y="0"/>
+          <a:chExt cx="0" cy="0"/>
+        </a:xfrm>
+      </p:grpSpPr>
+      <p:sp>
+        <p:nvSpPr>
+          <p:cNvPr id="2" name="Slide Image Placeholder 1"/>
+          <p:cNvSpPr>
+            <a:spLocks noGrp="1" noRot="1" noChangeAspect="1"/>
+          </p:cNvSpPr>
+          <p:nvPr>
+            <p:ph type="sldImg"/>
+          </p:nvPr>
+        </p:nvSpPr>
+        <p:spPr/>
+      </p:sp>
+      <p:sp>
+        <p:nvSpPr>
+          <p:cNvPr id="3" name="Notes Placeholder 2"/>
+          <p:cNvSpPr>
+            <a:spLocks noGrp="1"/>
+          </p:cNvSpPr>
+          <p:nvPr>
+            <p:ph type="body" idx="1"/>
+          </p:nvPr>
+        </p:nvSpPr>
+        <p:spPr/>
+        <p:txBody>
+          <a:bodyPr/>
+          <a:lstStyle/>
+          <a:p>
+            <a:r>
               <a:rPr lang="en-US" dirty="0"/>
               <a:t>https://cp-</a:t>
             </a:r>
@@ -747,7 +834,7 @@
           <a:p>
             <a:fld id="{0D4E46AA-1EC0-4433-9956-E798E94A6FB7}" type="datetimeFigureOut">
               <a:rPr lang="en-US" smtClean="0"/>
-              <a:t>8/28/22</a:t>
+              <a:t>11/11/22</a:t>
             </a:fld>
             <a:endParaRPr lang="en-US"/>
           </a:p>
@@ -945,7 +1032,7 @@
           <a:p>
             <a:fld id="{0D4E46AA-1EC0-4433-9956-E798E94A6FB7}" type="datetimeFigureOut">
               <a:rPr lang="en-US" smtClean="0"/>
-              <a:t>8/28/22</a:t>
+              <a:t>11/11/22</a:t>
             </a:fld>
             <a:endParaRPr lang="en-US"/>
           </a:p>
@@ -1153,7 +1240,7 @@
           <a:p>
             <a:fld id="{0D4E46AA-1EC0-4433-9956-E798E94A6FB7}" type="datetimeFigureOut">
               <a:rPr lang="en-US" smtClean="0"/>
-              <a:t>8/28/22</a:t>
+              <a:t>11/11/22</a:t>
             </a:fld>
             <a:endParaRPr lang="en-US"/>
           </a:p>
@@ -1351,7 +1438,7 @@
           <a:p>
             <a:fld id="{0D4E46AA-1EC0-4433-9956-E798E94A6FB7}" type="datetimeFigureOut">
               <a:rPr lang="en-US" smtClean="0"/>
-              <a:t>8/28/22</a:t>
+              <a:t>11/11/22</a:t>
             </a:fld>
             <a:endParaRPr lang="en-US"/>
           </a:p>
@@ -1630,7 +1717,7 @@
           <a:p>
             <a:fld id="{0D4E46AA-1EC0-4433-9956-E798E94A6FB7}" type="datetimeFigureOut">
               <a:rPr lang="en-US" smtClean="0"/>
-              <a:t>8/28/22</a:t>
+              <a:t>11/11/22</a:t>
             </a:fld>
             <a:endParaRPr lang="en-US"/>
           </a:p>
@@ -1895,7 +1982,7 @@
           <a:p>
             <a:fld id="{0D4E46AA-1EC0-4433-9956-E798E94A6FB7}" type="datetimeFigureOut">
               <a:rPr lang="en-US" smtClean="0"/>
-              <a:t>8/28/22</a:t>
+              <a:t>11/11/22</a:t>
             </a:fld>
             <a:endParaRPr lang="en-US"/>
           </a:p>
@@ -2311,7 +2398,7 @@
           <a:p>
             <a:fld id="{0D4E46AA-1EC0-4433-9956-E798E94A6FB7}" type="datetimeFigureOut">
               <a:rPr lang="en-US" smtClean="0"/>
-              <a:t>8/28/22</a:t>
+              <a:t>11/11/22</a:t>
             </a:fld>
             <a:endParaRPr lang="en-US"/>
           </a:p>
@@ -2452,7 +2539,7 @@
           <a:p>
             <a:fld id="{0D4E46AA-1EC0-4433-9956-E798E94A6FB7}" type="datetimeFigureOut">
               <a:rPr lang="en-US" smtClean="0"/>
-              <a:t>8/28/22</a:t>
+              <a:t>11/11/22</a:t>
             </a:fld>
             <a:endParaRPr lang="en-US"/>
           </a:p>
@@ -2565,7 +2652,7 @@
           <a:p>
             <a:fld id="{0D4E46AA-1EC0-4433-9956-E798E94A6FB7}" type="datetimeFigureOut">
               <a:rPr lang="en-US" smtClean="0"/>
-              <a:t>8/28/22</a:t>
+              <a:t>11/11/22</a:t>
             </a:fld>
             <a:endParaRPr lang="en-US"/>
           </a:p>
@@ -2878,7 +2965,7 @@
           <a:p>
             <a:fld id="{0D4E46AA-1EC0-4433-9956-E798E94A6FB7}" type="datetimeFigureOut">
               <a:rPr lang="en-US" smtClean="0"/>
-              <a:t>8/28/22</a:t>
+              <a:t>11/11/22</a:t>
             </a:fld>
             <a:endParaRPr lang="en-US"/>
           </a:p>
@@ -3166,7 +3253,7 @@
           <a:p>
             <a:fld id="{0D4E46AA-1EC0-4433-9956-E798E94A6FB7}" type="datetimeFigureOut">
               <a:rPr lang="en-US" smtClean="0"/>
-              <a:t>8/28/22</a:t>
+              <a:t>11/11/22</a:t>
             </a:fld>
             <a:endParaRPr lang="en-US"/>
           </a:p>
@@ -3406,7 +3493,7 @@
             <a:fld id="{0D4E46AA-1EC0-4433-9956-E798E94A6FB7}" type="datetimeFigureOut">
               <a:rPr lang="en-US" smtClean="0"/>
               <a:pPr/>
-              <a:t>8/28/22</a:t>
+              <a:t>11/11/22</a:t>
             </a:fld>
             <a:endParaRPr lang="en-US" dirty="0"/>
           </a:p>
